--- a/Protótipo Portfólio.pptx
+++ b/Protótipo Portfólio.pptx
@@ -138,7 +138,7 @@
 <file path=ppt/revisionInfo.xml><?xml version="1.0" encoding="utf-8"?>
 <p1510:revInfo xmlns:a="http://schemas.openxmlformats.org/drawingml/2006/main" xmlns:r="http://schemas.openxmlformats.org/officeDocument/2006/relationships" xmlns:p1510="http://schemas.microsoft.com/office/powerpoint/2015/10/main">
   <p1510:revLst>
-    <p1510:client id="{71C2DC27-E360-4A0D-BB2F-7363686289D2}" v="125" dt="2024-06-10T02:00:23.061"/>
+    <p1510:client id="{71C2DC27-E360-4A0D-BB2F-7363686289D2}" v="131" dt="2024-06-10T02:22:52.748"/>
   </p1510:revLst>
 </p1510:revInfo>
 </file>
@@ -148,7 +148,7 @@
   <pc:docChgLst>
     <pc:chgData name="BARBARA DO NASCIMENTO SILVA COCCARO" userId="47641a07-3b38-4bf0-8035-42e45b7270eb" providerId="ADAL" clId="{71C2DC27-E360-4A0D-BB2F-7363686289D2}"/>
     <pc:docChg chg="undo custSel addSld delSld modSld sldOrd addMainMaster delMainMaster modMainMaster">
-      <pc:chgData name="BARBARA DO NASCIMENTO SILVA COCCARO" userId="47641a07-3b38-4bf0-8035-42e45b7270eb" providerId="ADAL" clId="{71C2DC27-E360-4A0D-BB2F-7363686289D2}" dt="2024-06-10T02:01:02.233" v="4109" actId="255"/>
+      <pc:chgData name="BARBARA DO NASCIMENTO SILVA COCCARO" userId="47641a07-3b38-4bf0-8035-42e45b7270eb" providerId="ADAL" clId="{71C2DC27-E360-4A0D-BB2F-7363686289D2}" dt="2024-06-10T02:24:03.523" v="4190" actId="6549"/>
       <pc:docMkLst>
         <pc:docMk/>
       </pc:docMkLst>
@@ -344,20 +344,204 @@
           <pc:sldMk cId="1870044578" sldId="269"/>
         </pc:sldMkLst>
       </pc:sldChg>
-      <pc:sldChg chg="modSp new mod">
-        <pc:chgData name="BARBARA DO NASCIMENTO SILVA COCCARO" userId="47641a07-3b38-4bf0-8035-42e45b7270eb" providerId="ADAL" clId="{71C2DC27-E360-4A0D-BB2F-7363686289D2}" dt="2024-06-10T02:01:02.233" v="4109" actId="255"/>
+      <pc:sldChg chg="addSp modSp new mod modAnim">
+        <pc:chgData name="BARBARA DO NASCIMENTO SILVA COCCARO" userId="47641a07-3b38-4bf0-8035-42e45b7270eb" providerId="ADAL" clId="{71C2DC27-E360-4A0D-BB2F-7363686289D2}" dt="2024-06-10T02:24:03.523" v="4190" actId="6549"/>
         <pc:sldMkLst>
           <pc:docMk/>
           <pc:sldMk cId="4036377682" sldId="269"/>
         </pc:sldMkLst>
         <pc:spChg chg="mod">
-          <ac:chgData name="BARBARA DO NASCIMENTO SILVA COCCARO" userId="47641a07-3b38-4bf0-8035-42e45b7270eb" providerId="ADAL" clId="{71C2DC27-E360-4A0D-BB2F-7363686289D2}" dt="2024-06-10T02:01:02.233" v="4109" actId="255"/>
+          <ac:chgData name="BARBARA DO NASCIMENTO SILVA COCCARO" userId="47641a07-3b38-4bf0-8035-42e45b7270eb" providerId="ADAL" clId="{71C2DC27-E360-4A0D-BB2F-7363686289D2}" dt="2024-06-10T02:24:03.523" v="4190" actId="6549"/>
           <ac:spMkLst>
             <pc:docMk/>
             <pc:sldMk cId="4036377682" sldId="269"/>
             <ac:spMk id="2" creationId="{EC644C84-5B98-CDAD-0E30-A82EC98F6152}"/>
           </ac:spMkLst>
         </pc:spChg>
+        <pc:graphicFrameChg chg="add mod">
+          <ac:chgData name="BARBARA DO NASCIMENTO SILVA COCCARO" userId="47641a07-3b38-4bf0-8035-42e45b7270eb" providerId="ADAL" clId="{71C2DC27-E360-4A0D-BB2F-7363686289D2}" dt="2024-06-10T02:22:52.747" v="4141"/>
+          <ac:graphicFrameMkLst>
+            <pc:docMk/>
+            <pc:sldMk cId="4036377682" sldId="269"/>
+            <ac:graphicFrameMk id="5" creationId="{6DD03311-231E-3467-07E6-F910402448E3}"/>
+          </ac:graphicFrameMkLst>
+        </pc:graphicFrameChg>
+        <pc:graphicFrameChg chg="add mod">
+          <ac:chgData name="BARBARA DO NASCIMENTO SILVA COCCARO" userId="47641a07-3b38-4bf0-8035-42e45b7270eb" providerId="ADAL" clId="{71C2DC27-E360-4A0D-BB2F-7363686289D2}" dt="2024-06-10T02:22:52.747" v="4141"/>
+          <ac:graphicFrameMkLst>
+            <pc:docMk/>
+            <pc:sldMk cId="4036377682" sldId="269"/>
+            <ac:graphicFrameMk id="6" creationId="{474755BD-7A87-5D90-A838-4486EF42B10A}"/>
+          </ac:graphicFrameMkLst>
+        </pc:graphicFrameChg>
+        <pc:graphicFrameChg chg="add mod">
+          <ac:chgData name="BARBARA DO NASCIMENTO SILVA COCCARO" userId="47641a07-3b38-4bf0-8035-42e45b7270eb" providerId="ADAL" clId="{71C2DC27-E360-4A0D-BB2F-7363686289D2}" dt="2024-06-10T02:22:52.747" v="4141"/>
+          <ac:graphicFrameMkLst>
+            <pc:docMk/>
+            <pc:sldMk cId="4036377682" sldId="269"/>
+            <ac:graphicFrameMk id="7" creationId="{A1634C9E-854F-94EE-E0C4-E9F39AAA14F4}"/>
+          </ac:graphicFrameMkLst>
+        </pc:graphicFrameChg>
+        <pc:graphicFrameChg chg="add mod">
+          <ac:chgData name="BARBARA DO NASCIMENTO SILVA COCCARO" userId="47641a07-3b38-4bf0-8035-42e45b7270eb" providerId="ADAL" clId="{71C2DC27-E360-4A0D-BB2F-7363686289D2}" dt="2024-06-10T02:22:52.747" v="4141"/>
+          <ac:graphicFrameMkLst>
+            <pc:docMk/>
+            <pc:sldMk cId="4036377682" sldId="269"/>
+            <ac:graphicFrameMk id="8" creationId="{FDC83889-DDB5-DA3A-B8E1-9B21EF801157}"/>
+          </ac:graphicFrameMkLst>
+        </pc:graphicFrameChg>
+        <pc:graphicFrameChg chg="add mod">
+          <ac:chgData name="BARBARA DO NASCIMENTO SILVA COCCARO" userId="47641a07-3b38-4bf0-8035-42e45b7270eb" providerId="ADAL" clId="{71C2DC27-E360-4A0D-BB2F-7363686289D2}" dt="2024-06-10T02:22:52.747" v="4141"/>
+          <ac:graphicFrameMkLst>
+            <pc:docMk/>
+            <pc:sldMk cId="4036377682" sldId="269"/>
+            <ac:graphicFrameMk id="9" creationId="{329B52A9-7804-B390-CEBB-33010ADAF270}"/>
+          </ac:graphicFrameMkLst>
+        </pc:graphicFrameChg>
+        <pc:graphicFrameChg chg="add mod">
+          <ac:chgData name="BARBARA DO NASCIMENTO SILVA COCCARO" userId="47641a07-3b38-4bf0-8035-42e45b7270eb" providerId="ADAL" clId="{71C2DC27-E360-4A0D-BB2F-7363686289D2}" dt="2024-06-10T02:22:52.747" v="4141"/>
+          <ac:graphicFrameMkLst>
+            <pc:docMk/>
+            <pc:sldMk cId="4036377682" sldId="269"/>
+            <ac:graphicFrameMk id="14" creationId="{DE4FE0EB-1DB7-0152-663D-8460E51C0109}"/>
+          </ac:graphicFrameMkLst>
+        </pc:graphicFrameChg>
+        <pc:picChg chg="add mod">
+          <ac:chgData name="BARBARA DO NASCIMENTO SILVA COCCARO" userId="47641a07-3b38-4bf0-8035-42e45b7270eb" providerId="ADAL" clId="{71C2DC27-E360-4A0D-BB2F-7363686289D2}" dt="2024-06-10T02:22:52.747" v="4141"/>
+          <ac:picMkLst>
+            <pc:docMk/>
+            <pc:sldMk cId="4036377682" sldId="269"/>
+            <ac:picMk id="4" creationId="{E7D89676-D848-AC88-252C-384ED450087F}"/>
+          </ac:picMkLst>
+        </pc:picChg>
+        <pc:picChg chg="add mod">
+          <ac:chgData name="BARBARA DO NASCIMENTO SILVA COCCARO" userId="47641a07-3b38-4bf0-8035-42e45b7270eb" providerId="ADAL" clId="{71C2DC27-E360-4A0D-BB2F-7363686289D2}" dt="2024-06-10T02:22:52.747" v="4141"/>
+          <ac:picMkLst>
+            <pc:docMk/>
+            <pc:sldMk cId="4036377682" sldId="269"/>
+            <ac:picMk id="10" creationId="{4B19D3EF-A62E-DA8B-DCE3-39BCDA523465}"/>
+          </ac:picMkLst>
+        </pc:picChg>
+        <pc:picChg chg="add mod">
+          <ac:chgData name="BARBARA DO NASCIMENTO SILVA COCCARO" userId="47641a07-3b38-4bf0-8035-42e45b7270eb" providerId="ADAL" clId="{71C2DC27-E360-4A0D-BB2F-7363686289D2}" dt="2024-06-10T02:22:52.747" v="4141"/>
+          <ac:picMkLst>
+            <pc:docMk/>
+            <pc:sldMk cId="4036377682" sldId="269"/>
+            <ac:picMk id="11" creationId="{B4BCEC51-D2BD-DA44-9505-4CF4FA26F01E}"/>
+          </ac:picMkLst>
+        </pc:picChg>
+        <pc:picChg chg="add mod">
+          <ac:chgData name="BARBARA DO NASCIMENTO SILVA COCCARO" userId="47641a07-3b38-4bf0-8035-42e45b7270eb" providerId="ADAL" clId="{71C2DC27-E360-4A0D-BB2F-7363686289D2}" dt="2024-06-10T02:22:52.747" v="4141"/>
+          <ac:picMkLst>
+            <pc:docMk/>
+            <pc:sldMk cId="4036377682" sldId="269"/>
+            <ac:picMk id="13" creationId="{CE5206FF-4683-7F59-8A06-DFBCF8634B70}"/>
+          </ac:picMkLst>
+        </pc:picChg>
+        <pc:picChg chg="add mod">
+          <ac:chgData name="BARBARA DO NASCIMENTO SILVA COCCARO" userId="47641a07-3b38-4bf0-8035-42e45b7270eb" providerId="ADAL" clId="{71C2DC27-E360-4A0D-BB2F-7363686289D2}" dt="2024-06-10T02:22:52.747" v="4141"/>
+          <ac:picMkLst>
+            <pc:docMk/>
+            <pc:sldMk cId="4036377682" sldId="269"/>
+            <ac:picMk id="15" creationId="{7A97D92C-429B-C6FF-9990-27E34EB70FA2}"/>
+          </ac:picMkLst>
+        </pc:picChg>
+        <pc:picChg chg="add mod">
+          <ac:chgData name="BARBARA DO NASCIMENTO SILVA COCCARO" userId="47641a07-3b38-4bf0-8035-42e45b7270eb" providerId="ADAL" clId="{71C2DC27-E360-4A0D-BB2F-7363686289D2}" dt="2024-06-10T02:22:52.747" v="4141"/>
+          <ac:picMkLst>
+            <pc:docMk/>
+            <pc:sldMk cId="4036377682" sldId="269"/>
+            <ac:picMk id="16" creationId="{DF340A0E-BF1E-72A2-D381-91D19B8B10E5}"/>
+          </ac:picMkLst>
+        </pc:picChg>
+        <pc:picChg chg="add mod">
+          <ac:chgData name="BARBARA DO NASCIMENTO SILVA COCCARO" userId="47641a07-3b38-4bf0-8035-42e45b7270eb" providerId="ADAL" clId="{71C2DC27-E360-4A0D-BB2F-7363686289D2}" dt="2024-06-10T02:22:52.747" v="4141"/>
+          <ac:picMkLst>
+            <pc:docMk/>
+            <pc:sldMk cId="4036377682" sldId="269"/>
+            <ac:picMk id="18" creationId="{E09810E0-9534-0B86-3F7C-48099817CEF0}"/>
+          </ac:picMkLst>
+        </pc:picChg>
+        <pc:picChg chg="add mod">
+          <ac:chgData name="BARBARA DO NASCIMENTO SILVA COCCARO" userId="47641a07-3b38-4bf0-8035-42e45b7270eb" providerId="ADAL" clId="{71C2DC27-E360-4A0D-BB2F-7363686289D2}" dt="2024-06-10T02:22:52.747" v="4141"/>
+          <ac:picMkLst>
+            <pc:docMk/>
+            <pc:sldMk cId="4036377682" sldId="269"/>
+            <ac:picMk id="20" creationId="{98B08BB7-D190-7E5C-01B0-026890997A6A}"/>
+          </ac:picMkLst>
+        </pc:picChg>
+        <pc:picChg chg="add mod">
+          <ac:chgData name="BARBARA DO NASCIMENTO SILVA COCCARO" userId="47641a07-3b38-4bf0-8035-42e45b7270eb" providerId="ADAL" clId="{71C2DC27-E360-4A0D-BB2F-7363686289D2}" dt="2024-06-10T02:22:52.747" v="4141"/>
+          <ac:picMkLst>
+            <pc:docMk/>
+            <pc:sldMk cId="4036377682" sldId="269"/>
+            <ac:picMk id="22" creationId="{8A10D506-5E6F-FAEF-3686-7000B41F705A}"/>
+          </ac:picMkLst>
+        </pc:picChg>
+        <pc:picChg chg="add mod">
+          <ac:chgData name="BARBARA DO NASCIMENTO SILVA COCCARO" userId="47641a07-3b38-4bf0-8035-42e45b7270eb" providerId="ADAL" clId="{71C2DC27-E360-4A0D-BB2F-7363686289D2}" dt="2024-06-10T02:22:52.747" v="4141"/>
+          <ac:picMkLst>
+            <pc:docMk/>
+            <pc:sldMk cId="4036377682" sldId="269"/>
+            <ac:picMk id="24" creationId="{31E23581-C55E-8321-604A-49EF368FD48B}"/>
+          </ac:picMkLst>
+        </pc:picChg>
+        <pc:picChg chg="add mod">
+          <ac:chgData name="BARBARA DO NASCIMENTO SILVA COCCARO" userId="47641a07-3b38-4bf0-8035-42e45b7270eb" providerId="ADAL" clId="{71C2DC27-E360-4A0D-BB2F-7363686289D2}" dt="2024-06-10T02:22:52.747" v="4141"/>
+          <ac:picMkLst>
+            <pc:docMk/>
+            <pc:sldMk cId="4036377682" sldId="269"/>
+            <ac:picMk id="26" creationId="{030911B1-6964-2CDA-298D-FA3BA0D9C9F2}"/>
+          </ac:picMkLst>
+        </pc:picChg>
+        <pc:picChg chg="add mod">
+          <ac:chgData name="BARBARA DO NASCIMENTO SILVA COCCARO" userId="47641a07-3b38-4bf0-8035-42e45b7270eb" providerId="ADAL" clId="{71C2DC27-E360-4A0D-BB2F-7363686289D2}" dt="2024-06-10T02:22:52.747" v="4141"/>
+          <ac:picMkLst>
+            <pc:docMk/>
+            <pc:sldMk cId="4036377682" sldId="269"/>
+            <ac:picMk id="28" creationId="{3378C230-91E3-8AFA-4C16-89054B0DFBAD}"/>
+          </ac:picMkLst>
+        </pc:picChg>
+        <pc:picChg chg="add mod">
+          <ac:chgData name="BARBARA DO NASCIMENTO SILVA COCCARO" userId="47641a07-3b38-4bf0-8035-42e45b7270eb" providerId="ADAL" clId="{71C2DC27-E360-4A0D-BB2F-7363686289D2}" dt="2024-06-10T02:22:52.747" v="4141"/>
+          <ac:picMkLst>
+            <pc:docMk/>
+            <pc:sldMk cId="4036377682" sldId="269"/>
+            <ac:picMk id="30" creationId="{3B123789-EE15-3CB2-E242-CCB3454B5FD1}"/>
+          </ac:picMkLst>
+        </pc:picChg>
+        <pc:picChg chg="add mod">
+          <ac:chgData name="BARBARA DO NASCIMENTO SILVA COCCARO" userId="47641a07-3b38-4bf0-8035-42e45b7270eb" providerId="ADAL" clId="{71C2DC27-E360-4A0D-BB2F-7363686289D2}" dt="2024-06-10T02:22:52.747" v="4141"/>
+          <ac:picMkLst>
+            <pc:docMk/>
+            <pc:sldMk cId="4036377682" sldId="269"/>
+            <ac:picMk id="32" creationId="{4BE55F06-DD23-B4DC-369E-B988EDCF4FC8}"/>
+          </ac:picMkLst>
+        </pc:picChg>
+        <pc:picChg chg="add mod">
+          <ac:chgData name="BARBARA DO NASCIMENTO SILVA COCCARO" userId="47641a07-3b38-4bf0-8035-42e45b7270eb" providerId="ADAL" clId="{71C2DC27-E360-4A0D-BB2F-7363686289D2}" dt="2024-06-10T02:22:52.747" v="4141"/>
+          <ac:picMkLst>
+            <pc:docMk/>
+            <pc:sldMk cId="4036377682" sldId="269"/>
+            <ac:picMk id="34" creationId="{4D93935F-1114-56AE-36E0-2B202640EFEB}"/>
+          </ac:picMkLst>
+        </pc:picChg>
+        <pc:picChg chg="add mod">
+          <ac:chgData name="BARBARA DO NASCIMENTO SILVA COCCARO" userId="47641a07-3b38-4bf0-8035-42e45b7270eb" providerId="ADAL" clId="{71C2DC27-E360-4A0D-BB2F-7363686289D2}" dt="2024-06-10T02:22:52.747" v="4141"/>
+          <ac:picMkLst>
+            <pc:docMk/>
+            <pc:sldMk cId="4036377682" sldId="269"/>
+            <ac:picMk id="36" creationId="{5616A32D-B714-2258-21CA-6143D677FEAF}"/>
+          </ac:picMkLst>
+        </pc:picChg>
+        <pc:picChg chg="add mod">
+          <ac:chgData name="BARBARA DO NASCIMENTO SILVA COCCARO" userId="47641a07-3b38-4bf0-8035-42e45b7270eb" providerId="ADAL" clId="{71C2DC27-E360-4A0D-BB2F-7363686289D2}" dt="2024-06-10T02:22:52.747" v="4141"/>
+          <ac:picMkLst>
+            <pc:docMk/>
+            <pc:sldMk cId="4036377682" sldId="269"/>
+            <ac:picMk id="38" creationId="{05D59D8D-D411-9A9E-F1CF-6CFE481312B4}"/>
+          </ac:picMkLst>
+        </pc:picChg>
       </pc:sldChg>
       <pc:sldMasterChg chg="addSp modSp mod modSldLayout">
         <pc:chgData name="BARBARA DO NASCIMENTO SILVA COCCARO" userId="47641a07-3b38-4bf0-8035-42e45b7270eb" providerId="ADAL" clId="{71C2DC27-E360-4A0D-BB2F-7363686289D2}" dt="2024-05-08T20:55:26.800" v="186" actId="478"/>
@@ -14926,7 +15110,7 @@
           <a:p>
             <a:r>
               <a:rPr lang="pt-BR" sz="3200" dirty="0"/>
-              <a:t>https://github.com/baahcoccaro/portfolio.git</a:t>
+              <a:t>https://baahcoccaro.github.io/portfolio/</a:t>
             </a:r>
           </a:p>
         </p:txBody>
